--- a/jmeterDemo.pptx
+++ b/jmeterDemo.pptx
@@ -2550,7 +2550,7 @@
           <a:bodyPr bIns="0" lIns="0" rIns="0" tIns="0" wrap="none"/>
           <a:p>
             <a:pPr algn="r"/>
-            <a:fld id="{9C320B5D-9C7E-48D5-A129-418C2BFDC439}" type="slidenum">
+            <a:fld id="{EC980FBE-D210-4838-B063-9537047F5B2A}" type="slidenum">
               <a:rPr lang="en-CA"/>
               <a:t>&lt;number&gt;</a:t>
             </a:fld>
@@ -2841,7 +2841,7 @@
           <a:bodyPr bIns="0" lIns="0" rIns="0" tIns="0" wrap="none"/>
           <a:p>
             <a:pPr algn="r"/>
-            <a:fld id="{710C52CC-14B3-4936-B278-82958B3E1F0D}" type="slidenum">
+            <a:fld id="{B40A1748-69AF-4B48-9E50-D34B8081A9AD}" type="slidenum">
               <a:rPr lang="en-CA" sz="1400"/>
               <a:t>&lt;number&gt;</a:t>
             </a:fld>
@@ -3188,7 +3188,7 @@
             </a:pPr>
             <a:r>
               <a:rPr lang="en-CA"/>
-              <a:t>a) Why Test your REST Server</a:t>
+              <a:t>a) Why Test your REST Server?</a:t>
             </a:r>
             <a:endParaRPr/>
           </a:p>
@@ -3200,7 +3200,7 @@
             </a:pPr>
             <a:r>
               <a:rPr lang="en-CA"/>
-              <a:t>To make sure it is up (use it like a ping or even in a cronjob)</a:t>
+              <a:t>To make sure it is up like a ping and check validity of response.  Can be wrapped in a cronjob (with the 'headless') option (-n)</a:t>
             </a:r>
             <a:endParaRPr/>
           </a:p>
@@ -3212,7 +3212,91 @@
             </a:pPr>
             <a:r>
               <a:rPr lang="en-CA"/>
-              <a:t>Stress test</a:t>
+              <a:t>Stress testing</a:t>
+            </a:r>
+            <a:endParaRPr/>
+          </a:p>
+          <a:p>
+            <a:pPr>
+              <a:buSzPct val="25000"/>
+              <a:buFont typeface="StarSymbol"/>
+              <a:buChar char=""/>
+            </a:pPr>
+            <a:r>
+              <a:rPr lang="en-CA"/>
+              <a:t>b) Why Jmeter when there are so many other tools?</a:t>
+            </a:r>
+            <a:endParaRPr/>
+          </a:p>
+          <a:p>
+            <a:pPr lvl="1">
+              <a:buSzPct val="25000"/>
+              <a:buFont typeface="StarSymbol"/>
+              <a:buChar char=""/>
+            </a:pPr>
+            <a:r>
+              <a:rPr lang="en-CA"/>
+              <a:t>Headless mode, can do reports</a:t>
+            </a:r>
+            <a:endParaRPr/>
+          </a:p>
+          <a:p>
+            <a:pPr lvl="1">
+              <a:buSzPct val="25000"/>
+              <a:buFont typeface="StarSymbol"/>
+              <a:buChar char=""/>
+            </a:pPr>
+            <a:r>
+              <a:rPr lang="en-CA"/>
+              <a:t>Stress testing</a:t>
+            </a:r>
+            <a:endParaRPr/>
+          </a:p>
+          <a:p>
+            <a:pPr lvl="1">
+              <a:buSzPct val="25000"/>
+              <a:buFont typeface="StarSymbol"/>
+              <a:buChar char=""/>
+            </a:pPr>
+            <a:r>
+              <a:rPr lang="en-CA"/>
+              <a:t>Open Source</a:t>
+            </a:r>
+            <a:endParaRPr/>
+          </a:p>
+          <a:p>
+            <a:pPr lvl="1">
+              <a:buSzPct val="25000"/>
+              <a:buFont typeface="StarSymbol"/>
+              <a:buChar char=""/>
+            </a:pPr>
+            <a:r>
+              <a:rPr lang="en-CA"/>
+              <a:t>Other goodies besides REST (i.e. DBSampler, Java Sampler)</a:t>
+            </a:r>
+            <a:endParaRPr/>
+          </a:p>
+          <a:p>
+            <a:pPr lvl="1">
+              <a:buSzPct val="25000"/>
+              <a:buFont typeface="StarSymbol"/>
+              <a:buChar char=""/>
+            </a:pPr>
+            <a:r>
+              <a:rPr lang="en-CA"/>
+              <a:t>Comes with a Drag and Drop GUI to help create TestCases</a:t>
+            </a:r>
+            <a:endParaRPr/>
+          </a:p>
+          <a:p>
+            <a:pPr lvl="2">
+              <a:buSzPct val="25000"/>
+              <a:buFont typeface="StarSymbol"/>
+              <a:buChar char=""/>
+            </a:pPr>
+            <a:r>
+              <a:rPr lang="en-CA"/>
+              <a:t>And saves the final script as an XML (.jmx)</a:t>
             </a:r>
             <a:endParaRPr/>
           </a:p>
@@ -3220,6 +3304,33 @@
       </p:sp>
     </p:spTree>
   </p:cSld>
+  <p:timing>
+    <p:tnLst>
+      <p:par>
+        <p:cTn dur="indefinite" id="3" nodeType="tmRoot" restart="never">
+          <p:childTnLst>
+            <p:seq>
+              <p:cTn id="4" nodeType="mainSeq"/>
+              <p:prevCondLst>
+                <p:cond delay="0" evt="onPrev">
+                  <p:tgtEl>
+                    <p:sldTgt/>
+                  </p:tgtEl>
+                </p:cond>
+              </p:prevCondLst>
+              <p:nextCondLst>
+                <p:cond delay="0" evt="onNext">
+                  <p:tgtEl>
+                    <p:sldTgt/>
+                  </p:tgtEl>
+                </p:cond>
+              </p:nextCondLst>
+            </p:seq>
+          </p:childTnLst>
+        </p:cTn>
+      </p:par>
+    </p:tnLst>
+  </p:timing>
 </p:sld>
 </file>
 

--- a/jmeterDemo.pptx
+++ b/jmeterDemo.pptx
@@ -9,6 +9,7 @@
     <p:sldId id="256" r:id="rId4"/>
     <p:sldId id="257" r:id="rId5"/>
     <p:sldId id="258" r:id="rId6"/>
+    <p:sldId id="259" r:id="rId7"/>
   </p:sldIdLst>
   <p:sldSz cx="10080625" cy="7559675"/>
   <p:notesSz cx="7772400" cy="10058400"/>
@@ -2550,7 +2551,7 @@
           <a:bodyPr bIns="0" lIns="0" rIns="0" tIns="0" wrap="none"/>
           <a:p>
             <a:pPr algn="r"/>
-            <a:fld id="{EC980FBE-D210-4838-B063-9537047F5B2A}" type="slidenum">
+            <a:fld id="{C091EC1C-49B2-4AD3-8162-F5A098CB19CF}" type="slidenum">
               <a:rPr lang="en-CA"/>
               <a:t>&lt;number&gt;</a:t>
             </a:fld>
@@ -2841,7 +2842,7 @@
           <a:bodyPr bIns="0" lIns="0" rIns="0" tIns="0" wrap="none"/>
           <a:p>
             <a:pPr algn="r"/>
-            <a:fld id="{B40A1748-69AF-4B48-9E50-D34B8081A9AD}" type="slidenum">
+            <a:fld id="{2673976E-054E-4C3A-9736-11363524D2B2}" type="slidenum">
               <a:rPr lang="en-CA" sz="1400"/>
               <a:t>&lt;number&gt;</a:t>
             </a:fld>
@@ -3331,6 +3332,97 @@
       </p:par>
     </p:tnLst>
   </p:timing>
+</p:sld>
+</file>
+
+<file path=ppt/slides/slide4.xml><?xml version="1.0" encoding="utf-8"?>
+<p:sld xmlns:a="http://schemas.openxmlformats.org/drawingml/2006/main" xmlns:p="http://schemas.openxmlformats.org/presentationml/2006/main" xmlns:r="http://schemas.openxmlformats.org/officeDocument/2006/relationships">
+  <p:cSld>
+    <p:spTree>
+      <p:nvGrpSpPr>
+        <p:cNvPr id="1" name=""/>
+        <p:cNvGrpSpPr/>
+        <p:nvPr/>
+      </p:nvGrpSpPr>
+      <p:grpSpPr>
+        <a:xfrm>
+          <a:off x="0" y="0"/>
+          <a:ext cx="0" cy="0"/>
+          <a:chOff x="0" y="0"/>
+          <a:chExt cx="0" cy="0"/>
+        </a:xfrm>
+      </p:grpSpPr>
+      <p:sp>
+        <p:nvSpPr>
+          <p:cNvPr id="85" name="TextShape 1"/>
+          <p:cNvSpPr txBox="1"/>
+          <p:nvPr/>
+        </p:nvSpPr>
+        <p:spPr>
+          <a:xfrm>
+            <a:off x="504000" y="576000"/>
+            <a:ext cx="7200000" cy="720000"/>
+          </a:xfrm>
+          <a:prstGeom prst="rect">
+            <a:avLst/>
+          </a:prstGeom>
+        </p:spPr>
+        <p:txBody>
+          <a:bodyPr anchor="ctr" bIns="0" lIns="0" rIns="0" tIns="0" wrap="none"/>
+          <a:p>
+            <a:r>
+              <a:rPr lang="en-CA"/>
+              <a:t>The Demo</a:t>
+            </a:r>
+            <a:endParaRPr/>
+          </a:p>
+        </p:txBody>
+      </p:sp>
+      <p:sp>
+        <p:nvSpPr>
+          <p:cNvPr id="86" name="TextShape 2"/>
+          <p:cNvSpPr txBox="1"/>
+          <p:nvPr/>
+        </p:nvSpPr>
+        <p:spPr>
+          <a:xfrm>
+            <a:off x="504000" y="1800000"/>
+            <a:ext cx="9072000" cy="4384440"/>
+          </a:xfrm>
+          <a:prstGeom prst="rect">
+            <a:avLst/>
+          </a:prstGeom>
+        </p:spPr>
+        <p:txBody>
+          <a:bodyPr bIns="0" lIns="0" rIns="0" tIns="0" wrap="none"/>
+          <a:p>
+            <a:pPr>
+              <a:buSzPct val="25000"/>
+              <a:buFont typeface="StarSymbol"/>
+              <a:buChar char=""/>
+            </a:pPr>
+            <a:r>
+              <a:rPr lang="en-CA"/>
+              <a:t>The following Demo will consume a few REST Services from GitHub</a:t>
+            </a:r>
+            <a:endParaRPr/>
+          </a:p>
+          <a:p>
+            <a:pPr>
+              <a:buSzPct val="25000"/>
+              <a:buFont typeface="StarSymbol"/>
+              <a:buChar char=""/>
+            </a:pPr>
+            <a:r>
+              <a:rPr lang="en-CA"/>
+              <a:t>It will parse the JSON request (to get all the projects in GITHub with the searh string 'java' and iterate through each item) response to 'visit' the owner of that project's home_url</a:t>
+            </a:r>
+            <a:endParaRPr/>
+          </a:p>
+        </p:txBody>
+      </p:sp>
+    </p:spTree>
+  </p:cSld>
 </p:sld>
 </file>
 
